--- a/ITI/TF/Volume1/media/Figure_23.1-1.pptx
+++ b/ITI/TF/Volume1/media/Figure_23.1-1.pptx
@@ -104,6 +104,11 @@
       </a:defRPr>
     </a:lvl9pPr>
   </p:defaultTextStyle>
+  <p:extLst>
+    <p:ext uri="{EFAFB233-063F-42B5-8137-9DF3F51BA10A}">
+      <p15:sldGuideLst xmlns:p15="http://schemas.microsoft.com/office/powerpoint/2012/main"/>
+    </p:ext>
+  </p:extLst>
 </p:presentation>
 </file>
 
@@ -254,7 +259,7 @@
           <a:p>
             <a:fld id="{C4A4BECF-BEF1-0E41-B98D-71622A521CFA}" type="datetimeFigureOut">
               <a:rPr lang="en-US" smtClean="0"/>
-              <a:t>8/12/20</a:t>
+              <a:t>8/26/20</a:t>
             </a:fld>
             <a:endParaRPr lang="en-US"/>
           </a:p>
@@ -452,7 +457,7 @@
           <a:p>
             <a:fld id="{C4A4BECF-BEF1-0E41-B98D-71622A521CFA}" type="datetimeFigureOut">
               <a:rPr lang="en-US" smtClean="0"/>
-              <a:t>8/12/20</a:t>
+              <a:t>8/26/20</a:t>
             </a:fld>
             <a:endParaRPr lang="en-US"/>
           </a:p>
@@ -660,7 +665,7 @@
           <a:p>
             <a:fld id="{C4A4BECF-BEF1-0E41-B98D-71622A521CFA}" type="datetimeFigureOut">
               <a:rPr lang="en-US" smtClean="0"/>
-              <a:t>8/12/20</a:t>
+              <a:t>8/26/20</a:t>
             </a:fld>
             <a:endParaRPr lang="en-US"/>
           </a:p>
@@ -858,7 +863,7 @@
           <a:p>
             <a:fld id="{C4A4BECF-BEF1-0E41-B98D-71622A521CFA}" type="datetimeFigureOut">
               <a:rPr lang="en-US" smtClean="0"/>
-              <a:t>8/12/20</a:t>
+              <a:t>8/26/20</a:t>
             </a:fld>
             <a:endParaRPr lang="en-US"/>
           </a:p>
@@ -1133,7 +1138,7 @@
           <a:p>
             <a:fld id="{C4A4BECF-BEF1-0E41-B98D-71622A521CFA}" type="datetimeFigureOut">
               <a:rPr lang="en-US" smtClean="0"/>
-              <a:t>8/12/20</a:t>
+              <a:t>8/26/20</a:t>
             </a:fld>
             <a:endParaRPr lang="en-US"/>
           </a:p>
@@ -1398,7 +1403,7 @@
           <a:p>
             <a:fld id="{C4A4BECF-BEF1-0E41-B98D-71622A521CFA}" type="datetimeFigureOut">
               <a:rPr lang="en-US" smtClean="0"/>
-              <a:t>8/12/20</a:t>
+              <a:t>8/26/20</a:t>
             </a:fld>
             <a:endParaRPr lang="en-US"/>
           </a:p>
@@ -1810,7 +1815,7 @@
           <a:p>
             <a:fld id="{C4A4BECF-BEF1-0E41-B98D-71622A521CFA}" type="datetimeFigureOut">
               <a:rPr lang="en-US" smtClean="0"/>
-              <a:t>8/12/20</a:t>
+              <a:t>8/26/20</a:t>
             </a:fld>
             <a:endParaRPr lang="en-US"/>
           </a:p>
@@ -1951,7 +1956,7 @@
           <a:p>
             <a:fld id="{C4A4BECF-BEF1-0E41-B98D-71622A521CFA}" type="datetimeFigureOut">
               <a:rPr lang="en-US" smtClean="0"/>
-              <a:t>8/12/20</a:t>
+              <a:t>8/26/20</a:t>
             </a:fld>
             <a:endParaRPr lang="en-US"/>
           </a:p>
@@ -2064,7 +2069,7 @@
           <a:p>
             <a:fld id="{C4A4BECF-BEF1-0E41-B98D-71622A521CFA}" type="datetimeFigureOut">
               <a:rPr lang="en-US" smtClean="0"/>
-              <a:t>8/12/20</a:t>
+              <a:t>8/26/20</a:t>
             </a:fld>
             <a:endParaRPr lang="en-US"/>
           </a:p>
@@ -2375,7 +2380,7 @@
           <a:p>
             <a:fld id="{C4A4BECF-BEF1-0E41-B98D-71622A521CFA}" type="datetimeFigureOut">
               <a:rPr lang="en-US" smtClean="0"/>
-              <a:t>8/12/20</a:t>
+              <a:t>8/26/20</a:t>
             </a:fld>
             <a:endParaRPr lang="en-US"/>
           </a:p>
@@ -2663,7 +2668,7 @@
           <a:p>
             <a:fld id="{C4A4BECF-BEF1-0E41-B98D-71622A521CFA}" type="datetimeFigureOut">
               <a:rPr lang="en-US" smtClean="0"/>
-              <a:t>8/12/20</a:t>
+              <a:t>8/26/20</a:t>
             </a:fld>
             <a:endParaRPr lang="en-US"/>
           </a:p>
@@ -2904,7 +2909,7 @@
           <a:p>
             <a:fld id="{C4A4BECF-BEF1-0E41-B98D-71622A521CFA}" type="datetimeFigureOut">
               <a:rPr lang="en-US" smtClean="0"/>
-              <a:t>8/12/20</a:t>
+              <a:t>8/26/20</a:t>
             </a:fld>
             <a:endParaRPr lang="en-US"/>
           </a:p>
@@ -3504,8 +3509,9 @@
                   <a:schemeClr val="tx1"/>
                 </a:solidFill>
                 <a:effectLst/>
-                <a:latin typeface="Arial" panose="020B0604020202020204" pitchFamily="34" charset="0"/>
+                <a:latin typeface="Times New Roman" panose="02020603050405020304" pitchFamily="18" charset="0"/>
                 <a:ea typeface="Times New Roman" panose="02020603050405020304" pitchFamily="18" charset="0"/>
+                <a:cs typeface="Times New Roman" panose="02020603050405020304" pitchFamily="18" charset="0"/>
               </a:rPr>
               <a:t>Patient Identity Feed HL7 V3 [ITI-44]</a:t>
             </a:r>
@@ -3520,6 +3526,7 @@
                 <a:effectLst/>
                 <a:latin typeface="Times New Roman" panose="02020603050405020304" pitchFamily="18" charset="0"/>
                 <a:ea typeface="Times New Roman" panose="02020603050405020304" pitchFamily="18" charset="0"/>
+                <a:cs typeface="Times New Roman" panose="02020603050405020304" pitchFamily="18" charset="0"/>
                 <a:sym typeface="Symbol" pitchFamily="2" charset="2"/>
               </a:rPr>
               <a:t></a:t>
@@ -3608,6 +3615,7 @@
                 <a:effectLst/>
                 <a:latin typeface="Times New Roman" panose="02020603050405020304" pitchFamily="18" charset="0"/>
                 <a:ea typeface="Times New Roman" panose="02020603050405020304" pitchFamily="18" charset="0"/>
+                <a:cs typeface="Times New Roman" panose="02020603050405020304" pitchFamily="18" charset="0"/>
                 <a:sym typeface="Symbol" pitchFamily="2" charset="2"/>
               </a:rPr>
               <a:t></a:t>
@@ -3621,7 +3629,9 @@
                   <a:schemeClr val="tx1"/>
                 </a:solidFill>
                 <a:effectLst/>
+                <a:latin typeface="Times New Roman" panose="02020603050405020304" pitchFamily="18" charset="0"/>
                 <a:ea typeface="Times New Roman" panose="02020603050405020304" pitchFamily="18" charset="0"/>
+                <a:cs typeface="Times New Roman" panose="02020603050405020304" pitchFamily="18" charset="0"/>
               </a:rPr>
               <a:t> PIXV3 Query [ITI-45]</a:t>
             </a:r>
@@ -3634,6 +3644,7 @@
               </a:solidFill>
               <a:effectLst/>
               <a:latin typeface="Times New Roman" panose="02020603050405020304" pitchFamily="18" charset="0"/>
+              <a:cs typeface="Times New Roman" panose="02020603050405020304" pitchFamily="18" charset="0"/>
               <a:sym typeface="Symbol" pitchFamily="2" charset="2"/>
             </a:endParaRPr>
           </a:p>
@@ -3665,6 +3676,7 @@
                 <a:effectLst/>
                 <a:latin typeface="Times New Roman" panose="02020603050405020304" pitchFamily="18" charset="0"/>
                 <a:ea typeface="Times New Roman" panose="02020603050405020304" pitchFamily="18" charset="0"/>
+                <a:cs typeface="Times New Roman" panose="02020603050405020304" pitchFamily="18" charset="0"/>
                 <a:sym typeface="Symbol" pitchFamily="2" charset="2"/>
               </a:rPr>
               <a:t></a:t>
@@ -3678,7 +3690,9 @@
                   <a:schemeClr val="tx1"/>
                 </a:solidFill>
                 <a:effectLst/>
+                <a:latin typeface="Times New Roman" panose="02020603050405020304" pitchFamily="18" charset="0"/>
                 <a:ea typeface="Times New Roman" panose="02020603050405020304" pitchFamily="18" charset="0"/>
+                <a:cs typeface="Times New Roman" panose="02020603050405020304" pitchFamily="18" charset="0"/>
               </a:rPr>
               <a:t> PIXV3 Update Notification [ITI-46]</a:t>
             </a:r>
@@ -3692,6 +3706,7 @@
               <a:effectLst/>
               <a:latin typeface="Times New Roman" panose="02020603050405020304" pitchFamily="18" charset="0"/>
               <a:ea typeface="Times New Roman" panose="02020603050405020304" pitchFamily="18" charset="0"/>
+              <a:cs typeface="Times New Roman" panose="02020603050405020304" pitchFamily="18" charset="0"/>
               <a:sym typeface="Symbol" pitchFamily="2" charset="2"/>
             </a:endParaRPr>
           </a:p>
@@ -3755,8 +3770,38 @@
               <a:buNone/>
               <a:tabLst/>
             </a:pPr>
-            <a:r>
-              <a:rPr kumimoji="0" lang="en-AU" altLang="en-US" sz="1000" b="0" i="0" u="none" strike="noStrike" cap="none" normalizeH="0" baseline="0">
+            <a:endParaRPr kumimoji="0" lang="en-AU" altLang="en-US" sz="1000" b="0" i="0" u="none" strike="noStrike" cap="none" normalizeH="0" baseline="0" dirty="0">
+              <a:ln>
+                <a:noFill/>
+              </a:ln>
+              <a:solidFill>
+                <a:schemeClr val="tx1"/>
+              </a:solidFill>
+              <a:effectLst/>
+              <a:latin typeface="Times New Roman" panose="02020603050405020304" pitchFamily="18" charset="0"/>
+              <a:ea typeface="Times New Roman" panose="02020603050405020304" pitchFamily="18" charset="0"/>
+              <a:cs typeface="Times New Roman" panose="02020603050405020304" pitchFamily="18" charset="0"/>
+            </a:endParaRPr>
+          </a:p>
+          <a:p>
+            <a:pPr marL="0" marR="0" lvl="0" indent="0" algn="ctr" defTabSz="914400" rtl="0" eaLnBrk="0" fontAlgn="base" latinLnBrk="0" hangingPunct="0">
+              <a:lnSpc>
+                <a:spcPct val="100000"/>
+              </a:lnSpc>
+              <a:spcBef>
+                <a:spcPct val="0"/>
+              </a:spcBef>
+              <a:spcAft>
+                <a:spcPct val="0"/>
+              </a:spcAft>
+              <a:buClrTx/>
+              <a:buSzTx/>
+              <a:buFontTx/>
+              <a:buNone/>
+              <a:tabLst/>
+            </a:pPr>
+            <a:r>
+              <a:rPr kumimoji="0" lang="en-AU" altLang="en-US" sz="1000" b="0" i="0" u="none" strike="noStrike" cap="none" normalizeH="0" baseline="0" dirty="0">
                 <a:ln>
                   <a:noFill/>
                 </a:ln>
@@ -3764,12 +3809,13 @@
                   <a:schemeClr val="tx1"/>
                 </a:solidFill>
                 <a:effectLst/>
-                <a:latin typeface="Arial" panose="020B0604020202020204" pitchFamily="34" charset="0"/>
+                <a:latin typeface="Times New Roman" panose="02020603050405020304" pitchFamily="18" charset="0"/>
                 <a:ea typeface="Times New Roman" panose="02020603050405020304" pitchFamily="18" charset="0"/>
+                <a:cs typeface="Times New Roman" panose="02020603050405020304" pitchFamily="18" charset="0"/>
               </a:rPr>
               <a:t>Patient Identity Source</a:t>
             </a:r>
-            <a:endParaRPr kumimoji="0" lang="en-AU" altLang="en-US" sz="1800" b="0" i="0" u="none" strike="noStrike" cap="none" normalizeH="0" baseline="0">
+            <a:endParaRPr kumimoji="0" lang="en-AU" altLang="en-US" sz="1800" b="0" i="0" u="none" strike="noStrike" cap="none" normalizeH="0" baseline="0" dirty="0">
               <a:ln>
                 <a:noFill/>
               </a:ln>
@@ -3777,7 +3823,8 @@
                 <a:schemeClr val="tx1"/>
               </a:solidFill>
               <a:effectLst/>
-              <a:latin typeface="Arial" panose="020B0604020202020204" pitchFamily="34" charset="0"/>
+              <a:latin typeface="Times New Roman" panose="02020603050405020304" pitchFamily="18" charset="0"/>
+              <a:cs typeface="Times New Roman" panose="02020603050405020304" pitchFamily="18" charset="0"/>
             </a:endParaRPr>
           </a:p>
         </p:txBody>
@@ -3849,8 +3896,9 @@
                   <a:schemeClr val="tx1"/>
                 </a:solidFill>
                 <a:effectLst/>
-                <a:latin typeface="Arial" panose="020B0604020202020204" pitchFamily="34" charset="0"/>
+                <a:latin typeface="Times New Roman" panose="02020603050405020304" pitchFamily="18" charset="0"/>
                 <a:ea typeface="Times New Roman" panose="02020603050405020304" pitchFamily="18" charset="0"/>
+                <a:cs typeface="Times New Roman" panose="02020603050405020304" pitchFamily="18" charset="0"/>
               </a:rPr>
               <a:t>Patient Identifier Cross-reference Manager</a:t>
             </a:r>
@@ -3862,7 +3910,8 @@
                 <a:schemeClr val="tx1"/>
               </a:solidFill>
               <a:effectLst/>
-              <a:latin typeface="Arial" panose="020B0604020202020204" pitchFamily="34" charset="0"/>
+              <a:latin typeface="Times New Roman" panose="02020603050405020304" pitchFamily="18" charset="0"/>
+              <a:cs typeface="Times New Roman" panose="02020603050405020304" pitchFamily="18" charset="0"/>
             </a:endParaRPr>
           </a:p>
         </p:txBody>
@@ -3926,7 +3975,7 @@
               <a:tabLst/>
             </a:pPr>
             <a:r>
-              <a:rPr kumimoji="0" lang="en-AU" altLang="en-US" sz="1000" b="0" i="0" u="none" strike="noStrike" cap="none" normalizeH="0" baseline="0">
+              <a:rPr kumimoji="0" lang="en-AU" altLang="en-US" sz="1000" b="0" i="0" u="none" strike="noStrike" cap="none" normalizeH="0" baseline="0" dirty="0">
                 <a:ln>
                   <a:noFill/>
                 </a:ln>
@@ -3934,12 +3983,13 @@
                   <a:schemeClr val="tx1"/>
                 </a:solidFill>
                 <a:effectLst/>
-                <a:latin typeface="Arial" panose="020B0604020202020204" pitchFamily="34" charset="0"/>
+                <a:latin typeface="Times New Roman" panose="02020603050405020304" pitchFamily="18" charset="0"/>
                 <a:ea typeface="Times New Roman" panose="02020603050405020304" pitchFamily="18" charset="0"/>
+                <a:cs typeface="Times New Roman" panose="02020603050405020304" pitchFamily="18" charset="0"/>
               </a:rPr>
               <a:t>Patient Identifier Cross-reference Consumer</a:t>
             </a:r>
-            <a:endParaRPr kumimoji="0" lang="en-AU" altLang="en-US" sz="1800" b="0" i="0" u="none" strike="noStrike" cap="none" normalizeH="0" baseline="0">
+            <a:endParaRPr kumimoji="0" lang="en-AU" altLang="en-US" sz="1800" b="0" i="0" u="none" strike="noStrike" cap="none" normalizeH="0" baseline="0" dirty="0">
               <a:ln>
                 <a:noFill/>
               </a:ln>
@@ -3947,7 +3997,8 @@
                 <a:schemeClr val="tx1"/>
               </a:solidFill>
               <a:effectLst/>
-              <a:latin typeface="Arial" panose="020B0604020202020204" pitchFamily="34" charset="0"/>
+              <a:latin typeface="Times New Roman" panose="02020603050405020304" pitchFamily="18" charset="0"/>
+              <a:cs typeface="Times New Roman" panose="02020603050405020304" pitchFamily="18" charset="0"/>
             </a:endParaRPr>
           </a:p>
         </p:txBody>
@@ -4298,6 +4349,157 @@
               <a:avLst/>
             </a:prstTxWarp>
             <a:spAutoFit/>
+          </a:bodyPr>
+          <a:lstStyle/>
+          <a:p>
+            <a:endParaRPr lang="en-US"/>
+          </a:p>
+        </p:txBody>
+      </p:sp>
+      <p:sp>
+        <p:nvSpPr>
+          <p:cNvPr id="17" name="Arc 16">
+            <a:extLst>
+              <a:ext uri="{FF2B5EF4-FFF2-40B4-BE49-F238E27FC236}">
+                <a16:creationId xmlns:a16="http://schemas.microsoft.com/office/drawing/2014/main" id="{748408E4-B597-7041-BE77-B05DA4F04209}"/>
+              </a:ext>
+            </a:extLst>
+          </p:cNvPr>
+          <p:cNvSpPr/>
+          <p:nvPr/>
+        </p:nvSpPr>
+        <p:spPr>
+          <a:xfrm flipV="1">
+            <a:off x="3963534" y="2163616"/>
+            <a:ext cx="439765" cy="446737"/>
+          </a:xfrm>
+          <a:prstGeom prst="arc">
+            <a:avLst/>
+          </a:prstGeom>
+          <a:ln w="15875">
+            <a:solidFill>
+              <a:schemeClr val="tx1"/>
+            </a:solidFill>
+          </a:ln>
+        </p:spPr>
+        <p:style>
+          <a:lnRef idx="1">
+            <a:schemeClr val="accent1"/>
+          </a:lnRef>
+          <a:fillRef idx="0">
+            <a:schemeClr val="accent1"/>
+          </a:fillRef>
+          <a:effectRef idx="0">
+            <a:schemeClr val="accent1"/>
+          </a:effectRef>
+          <a:fontRef idx="minor">
+            <a:schemeClr val="tx1"/>
+          </a:fontRef>
+        </p:style>
+        <p:txBody>
+          <a:bodyPr rtlCol="0" anchor="ctr"/>
+          <a:lstStyle/>
+          <a:p>
+            <a:pPr algn="ctr"/>
+            <a:endParaRPr lang="en-US"/>
+          </a:p>
+        </p:txBody>
+      </p:sp>
+      <p:sp>
+        <p:nvSpPr>
+          <p:cNvPr id="19" name="Line 6">
+            <a:extLst>
+              <a:ext uri="{FF2B5EF4-FFF2-40B4-BE49-F238E27FC236}">
+                <a16:creationId xmlns:a16="http://schemas.microsoft.com/office/drawing/2014/main" id="{0EAB4D6B-3417-0D41-BDCD-F7615CFB6A04}"/>
+              </a:ext>
+            </a:extLst>
+          </p:cNvPr>
+          <p:cNvSpPr>
+            <a:spLocks noChangeShapeType="1"/>
+          </p:cNvSpPr>
+          <p:nvPr/>
+        </p:nvSpPr>
+        <p:spPr bwMode="auto">
+          <a:xfrm>
+            <a:off x="4403299" y="1511753"/>
+            <a:ext cx="0" cy="939347"/>
+          </a:xfrm>
+          <a:prstGeom prst="line">
+            <a:avLst/>
+          </a:prstGeom>
+          <a:noFill/>
+          <a:ln w="19050">
+            <a:solidFill>
+              <a:srgbClr val="000000"/>
+            </a:solidFill>
+            <a:round/>
+            <a:headEnd/>
+            <a:tailEnd/>
+          </a:ln>
+          <a:extLst>
+            <a:ext uri="{909E8E84-426E-40DD-AFC4-6F175D3DCCD1}">
+              <a14:hiddenFill xmlns:a14="http://schemas.microsoft.com/office/drawing/2010/main">
+                <a:noFill/>
+              </a14:hiddenFill>
+            </a:ext>
+          </a:extLst>
+        </p:spPr>
+        <p:txBody>
+          <a:bodyPr vert="horz" wrap="square" lIns="91440" tIns="45720" rIns="91440" bIns="45720" numCol="1" anchor="t" anchorCtr="0" compatLnSpc="1">
+            <a:prstTxWarp prst="textNoShape">
+              <a:avLst/>
+            </a:prstTxWarp>
+          </a:bodyPr>
+          <a:lstStyle/>
+          <a:p>
+            <a:endParaRPr lang="en-US"/>
+          </a:p>
+        </p:txBody>
+      </p:sp>
+      <p:sp>
+        <p:nvSpPr>
+          <p:cNvPr id="20" name="Line 6">
+            <a:extLst>
+              <a:ext uri="{FF2B5EF4-FFF2-40B4-BE49-F238E27FC236}">
+                <a16:creationId xmlns:a16="http://schemas.microsoft.com/office/drawing/2014/main" id="{25E36D46-6381-654D-BBC9-5B10E1CEF907}"/>
+              </a:ext>
+            </a:extLst>
+          </p:cNvPr>
+          <p:cNvSpPr>
+            <a:spLocks noChangeShapeType="1"/>
+          </p:cNvSpPr>
+          <p:nvPr/>
+        </p:nvSpPr>
+        <p:spPr bwMode="auto">
+          <a:xfrm rot="16200000">
+            <a:off x="3736551" y="2147030"/>
+            <a:ext cx="0" cy="939347"/>
+          </a:xfrm>
+          <a:prstGeom prst="line">
+            <a:avLst/>
+          </a:prstGeom>
+          <a:noFill/>
+          <a:ln w="19050">
+            <a:solidFill>
+              <a:srgbClr val="000000"/>
+            </a:solidFill>
+            <a:round/>
+            <a:headEnd/>
+            <a:tailEnd/>
+          </a:ln>
+          <a:extLst>
+            <a:ext uri="{909E8E84-426E-40DD-AFC4-6F175D3DCCD1}">
+              <a14:hiddenFill xmlns:a14="http://schemas.microsoft.com/office/drawing/2010/main">
+                <a:noFill/>
+              </a14:hiddenFill>
+            </a:ext>
+          </a:extLst>
+        </p:spPr>
+        <p:txBody>
+          <a:bodyPr vert="horz" wrap="square" lIns="91440" tIns="45720" rIns="91440" bIns="45720" numCol="1" anchor="t" anchorCtr="0" compatLnSpc="1">
+            <a:prstTxWarp prst="textNoShape">
+              <a:avLst/>
+            </a:prstTxWarp>
           </a:bodyPr>
           <a:lstStyle/>
           <a:p>
